--- a/3951/Indexes.pptx
+++ b/3951/Indexes.pptx
@@ -6,6 +6,7 @@
   </p:sldMasterIdLst>
   <p:sldIdLst>
     <p:sldId id="256" r:id="rId2"/>
+    <p:sldId id="257" r:id="rId3"/>
   </p:sldIdLst>
   <p:sldSz cx="12192000" cy="6858000"/>
   <p:notesSz cx="6858000" cy="9144000"/>
@@ -104,6 +105,11 @@
       </a:defRPr>
     </a:lvl9pPr>
   </p:defaultTextStyle>
+  <p:extLst>
+    <p:ext uri="{EFAFB233-063F-42B5-8137-9DF3F51BA10A}">
+      <p15:sldGuideLst xmlns:p15="http://schemas.microsoft.com/office/powerpoint/2012/main"/>
+    </p:ext>
+  </p:extLst>
 </p:presentation>
 </file>
 
@@ -6012,7 +6018,12 @@
           <a:bodyPr/>
           <a:lstStyle/>
           <a:p>
-            <a:endParaRPr lang="en-CA"/>
+            <a:pPr algn="ctr"/>
+            <a:r>
+              <a:rPr lang="en-CA" dirty="0" smtClean="0"/>
+              <a:t>Indexers</a:t>
+            </a:r>
+            <a:endParaRPr lang="en-CA" dirty="0"/>
           </a:p>
         </p:txBody>
       </p:sp>
@@ -6026,12 +6037,35 @@
             <p:ph type="subTitle" idx="1"/>
           </p:nvPr>
         </p:nvSpPr>
-        <p:spPr/>
-        <p:txBody>
-          <a:bodyPr/>
+        <p:spPr>
+          <a:xfrm>
+            <a:off x="9433353" y="5996580"/>
+            <a:ext cx="8825658" cy="861420"/>
+          </a:xfrm>
+        </p:spPr>
+        <p:txBody>
+          <a:bodyPr>
+            <a:normAutofit/>
+          </a:bodyPr>
           <a:lstStyle/>
           <a:p>
-            <a:endParaRPr lang="en-CA"/>
+            <a:r>
+              <a:rPr lang="en-CA" sz="800" dirty="0" smtClean="0"/>
+              <a:t>By Justin M, </a:t>
+            </a:r>
+            <a:r>
+              <a:rPr lang="en-CA" sz="800" dirty="0" err="1" smtClean="0"/>
+              <a:t>Naseem</a:t>
+            </a:r>
+            <a:r>
+              <a:rPr lang="en-CA" sz="800" dirty="0" smtClean="0"/>
+              <a:t>, </a:t>
+            </a:r>
+            <a:r>
+              <a:rPr lang="en-CA" sz="800" dirty="0" err="1" smtClean="0"/>
+              <a:t>daniel</a:t>
+            </a:r>
+            <a:endParaRPr lang="en-CA" sz="800" dirty="0"/>
           </a:p>
         </p:txBody>
       </p:sp>
@@ -6039,6 +6073,90 @@
     <p:extLst>
       <p:ext uri="{BB962C8B-B14F-4D97-AF65-F5344CB8AC3E}">
         <p14:creationId xmlns:p14="http://schemas.microsoft.com/office/powerpoint/2010/main" val="340557135"/>
+      </p:ext>
+    </p:extLst>
+  </p:cSld>
+  <p:clrMapOvr>
+    <a:masterClrMapping/>
+  </p:clrMapOvr>
+</p:sld>
+</file>
+
+<file path=ppt/slides/slide2.xml><?xml version="1.0" encoding="utf-8"?>
+<p:sld xmlns:a="http://schemas.openxmlformats.org/drawingml/2006/main" xmlns:r="http://schemas.openxmlformats.org/officeDocument/2006/relationships" xmlns:p="http://schemas.openxmlformats.org/presentationml/2006/main">
+  <p:cSld>
+    <p:spTree>
+      <p:nvGrpSpPr>
+        <p:cNvPr id="1" name=""/>
+        <p:cNvGrpSpPr/>
+        <p:nvPr/>
+      </p:nvGrpSpPr>
+      <p:grpSpPr>
+        <a:xfrm>
+          <a:off x="0" y="0"/>
+          <a:ext cx="0" cy="0"/>
+          <a:chOff x="0" y="0"/>
+          <a:chExt cx="0" cy="0"/>
+        </a:xfrm>
+      </p:grpSpPr>
+      <p:sp>
+        <p:nvSpPr>
+          <p:cNvPr id="2" name="Title 1"/>
+          <p:cNvSpPr>
+            <a:spLocks noGrp="1"/>
+          </p:cNvSpPr>
+          <p:nvPr>
+            <p:ph type="title"/>
+          </p:nvPr>
+        </p:nvSpPr>
+        <p:spPr/>
+        <p:txBody>
+          <a:bodyPr/>
+          <a:lstStyle/>
+          <a:p>
+            <a:r>
+              <a:rPr lang="en-CA" dirty="0" smtClean="0"/>
+              <a:t>What is a indexer?</a:t>
+            </a:r>
+            <a:endParaRPr lang="en-CA" dirty="0"/>
+          </a:p>
+        </p:txBody>
+      </p:sp>
+      <p:sp>
+        <p:nvSpPr>
+          <p:cNvPr id="3" name="Content Placeholder 2"/>
+          <p:cNvSpPr>
+            <a:spLocks noGrp="1"/>
+          </p:cNvSpPr>
+          <p:nvPr>
+            <p:ph idx="1"/>
+          </p:nvPr>
+        </p:nvSpPr>
+        <p:spPr/>
+        <p:txBody>
+          <a:bodyPr/>
+          <a:lstStyle/>
+          <a:p>
+            <a:r>
+              <a:rPr lang="en-CA" dirty="0" smtClean="0"/>
+              <a:t>In object-orientated programming, an indexer allows instances of a particular class, </a:t>
+            </a:r>
+            <a:r>
+              <a:rPr lang="en-CA" dirty="0" err="1" smtClean="0"/>
+              <a:t>struct</a:t>
+            </a:r>
+            <a:r>
+              <a:rPr lang="en-CA" dirty="0" smtClean="0"/>
+              <a:t> or interface to be indexed just like arrays.</a:t>
+            </a:r>
+            <a:endParaRPr lang="en-CA" dirty="0"/>
+          </a:p>
+        </p:txBody>
+      </p:sp>
+    </p:spTree>
+    <p:extLst>
+      <p:ext uri="{BB962C8B-B14F-4D97-AF65-F5344CB8AC3E}">
+        <p14:creationId xmlns:p14="http://schemas.microsoft.com/office/powerpoint/2010/main" val="1821765957"/>
       </p:ext>
     </p:extLst>
   </p:cSld>

--- a/3951/Indexes.pptx
+++ b/3951/Indexes.pptx
@@ -7,6 +7,11 @@
   <p:sldIdLst>
     <p:sldId id="256" r:id="rId2"/>
     <p:sldId id="257" r:id="rId3"/>
+    <p:sldId id="258" r:id="rId4"/>
+    <p:sldId id="259" r:id="rId5"/>
+    <p:sldId id="260" r:id="rId6"/>
+    <p:sldId id="261" r:id="rId7"/>
+    <p:sldId id="262" r:id="rId8"/>
   </p:sldIdLst>
   <p:sldSz cx="12192000" cy="6858000"/>
   <p:notesSz cx="6858000" cy="9144000"/>
@@ -299,7 +304,7 @@
           <a:p>
             <a:fld id="{4AAD347D-5ACD-4C99-B74B-A9C85AD731AF}" type="datetimeFigureOut">
               <a:rPr lang="en-US" dirty="0"/>
-              <a:t>1/26/2016</a:t>
+              <a:t>1/28/2016</a:t>
             </a:fld>
             <a:endParaRPr lang="en-US" dirty="0"/>
           </a:p>
@@ -569,7 +574,7 @@
           <a:p>
             <a:fld id="{4509A250-FF31-4206-8172-F9D3106AACB1}" type="datetimeFigureOut">
               <a:rPr lang="en-US" dirty="0"/>
-              <a:t>1/26/2016</a:t>
+              <a:t>1/28/2016</a:t>
             </a:fld>
             <a:endParaRPr lang="en-US" dirty="0"/>
           </a:p>
@@ -758,7 +763,7 @@
           <a:p>
             <a:fld id="{4509A250-FF31-4206-8172-F9D3106AACB1}" type="datetimeFigureOut">
               <a:rPr lang="en-US" dirty="0"/>
-              <a:t>1/26/2016</a:t>
+              <a:t>1/28/2016</a:t>
             </a:fld>
             <a:endParaRPr lang="en-US" dirty="0"/>
           </a:p>
@@ -1026,7 +1031,7 @@
           <a:p>
             <a:fld id="{4509A250-FF31-4206-8172-F9D3106AACB1}" type="datetimeFigureOut">
               <a:rPr lang="en-US" dirty="0"/>
-              <a:t>1/26/2016</a:t>
+              <a:t>1/28/2016</a:t>
             </a:fld>
             <a:endParaRPr lang="en-US" dirty="0"/>
           </a:p>
@@ -1362,7 +1367,7 @@
           <a:p>
             <a:fld id="{4509A250-FF31-4206-8172-F9D3106AACB1}" type="datetimeFigureOut">
               <a:rPr lang="en-US" dirty="0"/>
-              <a:t>1/26/2016</a:t>
+              <a:t>1/28/2016</a:t>
             </a:fld>
             <a:endParaRPr lang="en-US" dirty="0"/>
           </a:p>
@@ -1980,7 +1985,7 @@
           <a:p>
             <a:fld id="{4509A250-FF31-4206-8172-F9D3106AACB1}" type="datetimeFigureOut">
               <a:rPr lang="en-US" dirty="0"/>
-              <a:t>1/26/2016</a:t>
+              <a:t>1/28/2016</a:t>
             </a:fld>
             <a:endParaRPr lang="en-US" dirty="0"/>
           </a:p>
@@ -2835,7 +2840,7 @@
           <a:p>
             <a:fld id="{4509A250-FF31-4206-8172-F9D3106AACB1}" type="datetimeFigureOut">
               <a:rPr lang="en-US" dirty="0"/>
-              <a:t>1/26/2016</a:t>
+              <a:t>1/28/2016</a:t>
             </a:fld>
             <a:endParaRPr lang="en-US" dirty="0"/>
           </a:p>
@@ -3000,7 +3005,7 @@
           <a:p>
             <a:fld id="{4509A250-FF31-4206-8172-F9D3106AACB1}" type="datetimeFigureOut">
               <a:rPr lang="en-US" dirty="0"/>
-              <a:t>1/26/2016</a:t>
+              <a:t>1/28/2016</a:t>
             </a:fld>
             <a:endParaRPr lang="en-US" dirty="0"/>
           </a:p>
@@ -3175,7 +3180,7 @@
           <a:p>
             <a:fld id="{4509A250-FF31-4206-8172-F9D3106AACB1}" type="datetimeFigureOut">
               <a:rPr lang="en-US" dirty="0"/>
-              <a:t>1/26/2016</a:t>
+              <a:t>1/28/2016</a:t>
             </a:fld>
             <a:endParaRPr lang="en-US" dirty="0"/>
           </a:p>
@@ -3340,7 +3345,7 @@
           <a:p>
             <a:fld id="{4509A250-FF31-4206-8172-F9D3106AACB1}" type="datetimeFigureOut">
               <a:rPr lang="en-US" dirty="0"/>
-              <a:t>1/26/2016</a:t>
+              <a:t>1/28/2016</a:t>
             </a:fld>
             <a:endParaRPr lang="en-US" dirty="0"/>
           </a:p>
@@ -3582,7 +3587,7 @@
           <a:p>
             <a:fld id="{9796027F-7875-4030-9381-8BD8C4F21935}" type="datetimeFigureOut">
               <a:rPr lang="en-US" dirty="0"/>
-              <a:t>1/26/2016</a:t>
+              <a:t>1/28/2016</a:t>
             </a:fld>
             <a:endParaRPr lang="en-US" dirty="0"/>
           </a:p>
@@ -3869,7 +3874,7 @@
           <a:p>
             <a:fld id="{9796027F-7875-4030-9381-8BD8C4F21935}" type="datetimeFigureOut">
               <a:rPr lang="en-US" dirty="0"/>
-              <a:t>1/26/2016</a:t>
+              <a:t>1/28/2016</a:t>
             </a:fld>
             <a:endParaRPr lang="en-US" dirty="0"/>
           </a:p>
@@ -4308,7 +4313,7 @@
           <a:p>
             <a:fld id="{9796027F-7875-4030-9381-8BD8C4F21935}" type="datetimeFigureOut">
               <a:rPr lang="en-US" dirty="0"/>
-              <a:t>1/26/2016</a:t>
+              <a:t>1/28/2016</a:t>
             </a:fld>
             <a:endParaRPr lang="en-US" dirty="0"/>
           </a:p>
@@ -4421,7 +4426,7 @@
           <a:p>
             <a:fld id="{4509A250-FF31-4206-8172-F9D3106AACB1}" type="datetimeFigureOut">
               <a:rPr lang="en-US" dirty="0"/>
-              <a:t>1/26/2016</a:t>
+              <a:t>1/28/2016</a:t>
             </a:fld>
             <a:endParaRPr lang="en-US" dirty="0"/>
           </a:p>
@@ -4511,7 +4516,7 @@
           <a:p>
             <a:fld id="{4509A250-FF31-4206-8172-F9D3106AACB1}" type="datetimeFigureOut">
               <a:rPr lang="en-US" dirty="0"/>
-              <a:t>1/26/2016</a:t>
+              <a:t>1/28/2016</a:t>
             </a:fld>
             <a:endParaRPr lang="en-US" dirty="0"/>
           </a:p>
@@ -4785,7 +4790,7 @@
           <a:p>
             <a:fld id="{4509A250-FF31-4206-8172-F9D3106AACB1}" type="datetimeFigureOut">
               <a:rPr lang="en-US" dirty="0"/>
-              <a:t>1/26/2016</a:t>
+              <a:t>1/28/2016</a:t>
             </a:fld>
             <a:endParaRPr lang="en-US" dirty="0"/>
           </a:p>
@@ -5055,7 +5060,7 @@
           <a:p>
             <a:fld id="{4509A250-FF31-4206-8172-F9D3106AACB1}" type="datetimeFigureOut">
               <a:rPr lang="en-US" dirty="0"/>
-              <a:t>1/26/2016</a:t>
+              <a:t>1/28/2016</a:t>
             </a:fld>
             <a:endParaRPr lang="en-US" dirty="0"/>
           </a:p>
@@ -5479,7 +5484,7 @@
           <a:p>
             <a:fld id="{4AAD347D-5ACD-4C99-B74B-A9C85AD731AF}" type="datetimeFigureOut">
               <a:rPr lang="en-US" dirty="0"/>
-              <a:t>1/26/2016</a:t>
+              <a:t>1/28/2016</a:t>
             </a:fld>
             <a:endParaRPr lang="en-US" dirty="0"/>
           </a:p>
@@ -6039,7 +6044,7 @@
         </p:nvSpPr>
         <p:spPr>
           <a:xfrm>
-            <a:off x="9433353" y="5996580"/>
+            <a:off x="9032300" y="6427290"/>
             <a:ext cx="8825658" cy="861420"/>
           </a:xfrm>
         </p:spPr>
@@ -6050,22 +6055,22 @@
           <a:lstStyle/>
           <a:p>
             <a:r>
-              <a:rPr lang="en-CA" sz="800" dirty="0" smtClean="0"/>
+              <a:rPr lang="en-CA" sz="1600" dirty="0" smtClean="0"/>
               <a:t>By Justin M, </a:t>
             </a:r>
             <a:r>
-              <a:rPr lang="en-CA" sz="800" dirty="0" err="1" smtClean="0"/>
+              <a:rPr lang="en-CA" sz="1600" dirty="0" err="1" smtClean="0"/>
               <a:t>Naseem</a:t>
             </a:r>
             <a:r>
-              <a:rPr lang="en-CA" sz="800" dirty="0" smtClean="0"/>
+              <a:rPr lang="en-CA" sz="1600" dirty="0" smtClean="0"/>
               <a:t>, </a:t>
             </a:r>
             <a:r>
-              <a:rPr lang="en-CA" sz="800" dirty="0" err="1" smtClean="0"/>
+              <a:rPr lang="en-CA" sz="1600" dirty="0" err="1" smtClean="0"/>
               <a:t>daniel</a:t>
             </a:r>
-            <a:endParaRPr lang="en-CA" sz="800" dirty="0"/>
+            <a:endParaRPr lang="en-CA" sz="1600" dirty="0"/>
           </a:p>
         </p:txBody>
       </p:sp>
@@ -6137,6 +6142,11 @@
           <a:bodyPr/>
           <a:lstStyle/>
           <a:p>
+            <a:pPr>
+              <a:lnSpc>
+                <a:spcPct val="200000"/>
+              </a:lnSpc>
+            </a:pPr>
             <a:r>
               <a:rPr lang="en-CA" dirty="0" smtClean="0"/>
               <a:t>In object-orientated programming, an indexer allows instances of a particular class, </a:t>
@@ -6147,8 +6157,44 @@
             </a:r>
             <a:r>
               <a:rPr lang="en-CA" dirty="0" smtClean="0"/>
-              <a:t> or interface to be indexed just like arrays.</a:t>
-            </a:r>
+              <a:t> or interface to be indexed just like arrays</a:t>
+            </a:r>
+            <a:r>
+              <a:rPr lang="en-CA" dirty="0" smtClean="0"/>
+              <a:t>.</a:t>
+            </a:r>
+          </a:p>
+          <a:p>
+            <a:pPr>
+              <a:lnSpc>
+                <a:spcPct val="200000"/>
+              </a:lnSpc>
+            </a:pPr>
+            <a:r>
+              <a:rPr lang="en-CA" dirty="0" smtClean="0"/>
+              <a:t>Indexers are most popular in types whose main purpose is to encapsulate internal collections or arrays.</a:t>
+            </a:r>
+          </a:p>
+          <a:p>
+            <a:pPr>
+              <a:lnSpc>
+                <a:spcPct val="200000"/>
+              </a:lnSpc>
+            </a:pPr>
+            <a:r>
+              <a:rPr lang="en-CA" dirty="0" smtClean="0"/>
+              <a:t>Indexers can we use on classes with multiple arrays as long as they don’t have conflicting (same) types.</a:t>
+            </a:r>
+          </a:p>
+          <a:p>
+            <a:pPr>
+              <a:lnSpc>
+                <a:spcPct val="150000"/>
+              </a:lnSpc>
+            </a:pPr>
+            <a:endParaRPr lang="en-CA" dirty="0" smtClean="0"/>
+          </a:p>
+          <a:p>
             <a:endParaRPr lang="en-CA" dirty="0"/>
           </a:p>
         </p:txBody>
@@ -6157,6 +6203,376 @@
     <p:extLst>
       <p:ext uri="{BB962C8B-B14F-4D97-AF65-F5344CB8AC3E}">
         <p14:creationId xmlns:p14="http://schemas.microsoft.com/office/powerpoint/2010/main" val="1821765957"/>
+      </p:ext>
+    </p:extLst>
+  </p:cSld>
+  <p:clrMapOvr>
+    <a:masterClrMapping/>
+  </p:clrMapOvr>
+</p:sld>
+</file>
+
+<file path=ppt/slides/slide3.xml><?xml version="1.0" encoding="utf-8"?>
+<p:sld xmlns:a="http://schemas.openxmlformats.org/drawingml/2006/main" xmlns:r="http://schemas.openxmlformats.org/officeDocument/2006/relationships" xmlns:p="http://schemas.openxmlformats.org/presentationml/2006/main">
+  <p:cSld>
+    <p:spTree>
+      <p:nvGrpSpPr>
+        <p:cNvPr id="1" name=""/>
+        <p:cNvGrpSpPr/>
+        <p:nvPr/>
+      </p:nvGrpSpPr>
+      <p:grpSpPr>
+        <a:xfrm>
+          <a:off x="0" y="0"/>
+          <a:ext cx="0" cy="0"/>
+          <a:chOff x="0" y="0"/>
+          <a:chExt cx="0" cy="0"/>
+        </a:xfrm>
+      </p:grpSpPr>
+      <p:sp>
+        <p:nvSpPr>
+          <p:cNvPr id="2" name="Title 1"/>
+          <p:cNvSpPr>
+            <a:spLocks noGrp="1"/>
+          </p:cNvSpPr>
+          <p:nvPr>
+            <p:ph type="title"/>
+          </p:nvPr>
+        </p:nvSpPr>
+        <p:spPr/>
+        <p:txBody>
+          <a:bodyPr/>
+          <a:lstStyle/>
+          <a:p>
+            <a:r>
+              <a:rPr lang="en-CA" dirty="0" smtClean="0"/>
+              <a:t>What is an indexers use?</a:t>
+            </a:r>
+            <a:endParaRPr lang="en-CA" dirty="0"/>
+          </a:p>
+        </p:txBody>
+      </p:sp>
+      <p:sp>
+        <p:nvSpPr>
+          <p:cNvPr id="3" name="Content Placeholder 2"/>
+          <p:cNvSpPr>
+            <a:spLocks noGrp="1"/>
+          </p:cNvSpPr>
+          <p:nvPr>
+            <p:ph idx="1"/>
+          </p:nvPr>
+        </p:nvSpPr>
+        <p:spPr/>
+        <p:txBody>
+          <a:bodyPr/>
+          <a:lstStyle/>
+          <a:p>
+            <a:pPr>
+              <a:lnSpc>
+                <a:spcPct val="200000"/>
+              </a:lnSpc>
+            </a:pPr>
+            <a:r>
+              <a:rPr lang="en-CA" dirty="0" smtClean="0"/>
+              <a:t>Indexers provide a syntactic convenience. Instead of calling the variable within a class, we can call the class itself at a indexed value.</a:t>
+            </a:r>
+          </a:p>
+          <a:p>
+            <a:pPr>
+              <a:lnSpc>
+                <a:spcPct val="200000"/>
+              </a:lnSpc>
+            </a:pPr>
+            <a:r>
+              <a:rPr lang="en-CA" dirty="0" smtClean="0"/>
+              <a:t>The indexer notation simplifies the syntax for the user, but makes the class and its purpose more intuitive for other developers.</a:t>
+            </a:r>
+            <a:endParaRPr lang="en-CA" dirty="0"/>
+          </a:p>
+        </p:txBody>
+      </p:sp>
+    </p:spTree>
+    <p:extLst>
+      <p:ext uri="{BB962C8B-B14F-4D97-AF65-F5344CB8AC3E}">
+        <p14:creationId xmlns:p14="http://schemas.microsoft.com/office/powerpoint/2010/main" val="2077657877"/>
+      </p:ext>
+    </p:extLst>
+  </p:cSld>
+  <p:clrMapOvr>
+    <a:masterClrMapping/>
+  </p:clrMapOvr>
+</p:sld>
+</file>
+
+<file path=ppt/slides/slide4.xml><?xml version="1.0" encoding="utf-8"?>
+<p:sld xmlns:a="http://schemas.openxmlformats.org/drawingml/2006/main" xmlns:r="http://schemas.openxmlformats.org/officeDocument/2006/relationships" xmlns:p="http://schemas.openxmlformats.org/presentationml/2006/main">
+  <p:cSld>
+    <p:spTree>
+      <p:nvGrpSpPr>
+        <p:cNvPr id="1" name=""/>
+        <p:cNvGrpSpPr/>
+        <p:nvPr/>
+      </p:nvGrpSpPr>
+      <p:grpSpPr>
+        <a:xfrm>
+          <a:off x="0" y="0"/>
+          <a:ext cx="0" cy="0"/>
+          <a:chOff x="0" y="0"/>
+          <a:chExt cx="0" cy="0"/>
+        </a:xfrm>
+      </p:grpSpPr>
+      <p:sp>
+        <p:nvSpPr>
+          <p:cNvPr id="2" name="Title 1"/>
+          <p:cNvSpPr>
+            <a:spLocks noGrp="1"/>
+          </p:cNvSpPr>
+          <p:nvPr>
+            <p:ph type="title"/>
+          </p:nvPr>
+        </p:nvSpPr>
+        <p:spPr/>
+        <p:txBody>
+          <a:bodyPr/>
+          <a:lstStyle/>
+          <a:p>
+            <a:r>
+              <a:rPr lang="en-CA" dirty="0" smtClean="0"/>
+              <a:t>Example: Class Instance</a:t>
+            </a:r>
+            <a:endParaRPr lang="en-CA" dirty="0"/>
+          </a:p>
+        </p:txBody>
+      </p:sp>
+      <p:pic>
+        <p:nvPicPr>
+          <p:cNvPr id="4" name="Content Placeholder 3"/>
+          <p:cNvPicPr>
+            <a:picLocks noGrp="1" noChangeAspect="1"/>
+          </p:cNvPicPr>
+          <p:nvPr>
+            <p:ph idx="1"/>
+          </p:nvPr>
+        </p:nvPicPr>
+        <p:blipFill>
+          <a:blip r:embed="rId2"/>
+          <a:stretch>
+            <a:fillRect/>
+          </a:stretch>
+        </p:blipFill>
+        <p:spPr>
+          <a:xfrm>
+            <a:off x="3187130" y="1333619"/>
+            <a:ext cx="5379354" cy="5271933"/>
+          </a:xfrm>
+        </p:spPr>
+      </p:pic>
+    </p:spTree>
+    <p:extLst>
+      <p:ext uri="{BB962C8B-B14F-4D97-AF65-F5344CB8AC3E}">
+        <p14:creationId xmlns:p14="http://schemas.microsoft.com/office/powerpoint/2010/main" val="2491497874"/>
+      </p:ext>
+    </p:extLst>
+  </p:cSld>
+  <p:clrMapOvr>
+    <a:masterClrMapping/>
+  </p:clrMapOvr>
+</p:sld>
+</file>
+
+<file path=ppt/slides/slide5.xml><?xml version="1.0" encoding="utf-8"?>
+<p:sld xmlns:a="http://schemas.openxmlformats.org/drawingml/2006/main" xmlns:r="http://schemas.openxmlformats.org/officeDocument/2006/relationships" xmlns:p="http://schemas.openxmlformats.org/presentationml/2006/main">
+  <p:cSld>
+    <p:spTree>
+      <p:nvGrpSpPr>
+        <p:cNvPr id="1" name=""/>
+        <p:cNvGrpSpPr/>
+        <p:nvPr/>
+      </p:nvGrpSpPr>
+      <p:grpSpPr>
+        <a:xfrm>
+          <a:off x="0" y="0"/>
+          <a:ext cx="0" cy="0"/>
+          <a:chOff x="0" y="0"/>
+          <a:chExt cx="0" cy="0"/>
+        </a:xfrm>
+      </p:grpSpPr>
+      <p:sp>
+        <p:nvSpPr>
+          <p:cNvPr id="2" name="Title 1"/>
+          <p:cNvSpPr>
+            <a:spLocks noGrp="1"/>
+          </p:cNvSpPr>
+          <p:nvPr>
+            <p:ph type="title"/>
+          </p:nvPr>
+        </p:nvSpPr>
+        <p:spPr/>
+        <p:txBody>
+          <a:bodyPr/>
+          <a:lstStyle/>
+          <a:p>
+            <a:r>
+              <a:rPr lang="en-CA" dirty="0" smtClean="0"/>
+              <a:t>Example: String values</a:t>
+            </a:r>
+            <a:endParaRPr lang="en-CA" dirty="0"/>
+          </a:p>
+        </p:txBody>
+      </p:sp>
+      <p:pic>
+        <p:nvPicPr>
+          <p:cNvPr id="4" name="Content Placeholder 3"/>
+          <p:cNvPicPr>
+            <a:picLocks noGrp="1" noChangeAspect="1"/>
+          </p:cNvPicPr>
+          <p:nvPr>
+            <p:ph idx="1"/>
+          </p:nvPr>
+        </p:nvPicPr>
+        <p:blipFill>
+          <a:blip r:embed="rId2"/>
+          <a:stretch>
+            <a:fillRect/>
+          </a:stretch>
+        </p:blipFill>
+        <p:spPr>
+          <a:xfrm>
+            <a:off x="2191217" y="1411705"/>
+            <a:ext cx="7273623" cy="5085347"/>
+          </a:xfrm>
+        </p:spPr>
+      </p:pic>
+    </p:spTree>
+    <p:extLst>
+      <p:ext uri="{BB962C8B-B14F-4D97-AF65-F5344CB8AC3E}">
+        <p14:creationId xmlns:p14="http://schemas.microsoft.com/office/powerpoint/2010/main" val="3484271750"/>
+      </p:ext>
+    </p:extLst>
+  </p:cSld>
+  <p:clrMapOvr>
+    <a:masterClrMapping/>
+  </p:clrMapOvr>
+</p:sld>
+</file>
+
+<file path=ppt/slides/slide6.xml><?xml version="1.0" encoding="utf-8"?>
+<p:sld xmlns:a="http://schemas.openxmlformats.org/drawingml/2006/main" xmlns:r="http://schemas.openxmlformats.org/officeDocument/2006/relationships" xmlns:p="http://schemas.openxmlformats.org/presentationml/2006/main">
+  <p:cSld>
+    <p:spTree>
+      <p:nvGrpSpPr>
+        <p:cNvPr id="1" name=""/>
+        <p:cNvGrpSpPr/>
+        <p:nvPr/>
+      </p:nvGrpSpPr>
+      <p:grpSpPr>
+        <a:xfrm>
+          <a:off x="0" y="0"/>
+          <a:ext cx="0" cy="0"/>
+          <a:chOff x="0" y="0"/>
+          <a:chExt cx="0" cy="0"/>
+        </a:xfrm>
+      </p:grpSpPr>
+      <p:sp>
+        <p:nvSpPr>
+          <p:cNvPr id="2" name="Title 1"/>
+          <p:cNvSpPr>
+            <a:spLocks noGrp="1"/>
+          </p:cNvSpPr>
+          <p:nvPr>
+            <p:ph type="title"/>
+          </p:nvPr>
+        </p:nvSpPr>
+        <p:spPr>
+          <a:xfrm>
+            <a:off x="1448216" y="2778823"/>
+            <a:ext cx="9404723" cy="1400530"/>
+          </a:xfrm>
+        </p:spPr>
+        <p:txBody>
+          <a:bodyPr/>
+          <a:lstStyle/>
+          <a:p>
+            <a:r>
+              <a:rPr lang="en-CA" dirty="0" smtClean="0"/>
+              <a:t>Activity: Overriding Indexers</a:t>
+            </a:r>
+            <a:endParaRPr lang="en-CA" dirty="0"/>
+          </a:p>
+        </p:txBody>
+      </p:sp>
+    </p:spTree>
+    <p:extLst>
+      <p:ext uri="{BB962C8B-B14F-4D97-AF65-F5344CB8AC3E}">
+        <p14:creationId xmlns:p14="http://schemas.microsoft.com/office/powerpoint/2010/main" val="3397327831"/>
+      </p:ext>
+    </p:extLst>
+  </p:cSld>
+  <p:clrMapOvr>
+    <a:masterClrMapping/>
+  </p:clrMapOvr>
+</p:sld>
+</file>
+
+<file path=ppt/slides/slide7.xml><?xml version="1.0" encoding="utf-8"?>
+<p:sld xmlns:a="http://schemas.openxmlformats.org/drawingml/2006/main" xmlns:r="http://schemas.openxmlformats.org/officeDocument/2006/relationships" xmlns:p="http://schemas.openxmlformats.org/presentationml/2006/main">
+  <p:cSld>
+    <p:spTree>
+      <p:nvGrpSpPr>
+        <p:cNvPr id="1" name=""/>
+        <p:cNvGrpSpPr/>
+        <p:nvPr/>
+      </p:nvGrpSpPr>
+      <p:grpSpPr>
+        <a:xfrm>
+          <a:off x="0" y="0"/>
+          <a:ext cx="0" cy="0"/>
+          <a:chOff x="0" y="0"/>
+          <a:chExt cx="0" cy="0"/>
+        </a:xfrm>
+      </p:grpSpPr>
+      <p:sp>
+        <p:nvSpPr>
+          <p:cNvPr id="2" name="Title 1"/>
+          <p:cNvSpPr>
+            <a:spLocks noGrp="1"/>
+          </p:cNvSpPr>
+          <p:nvPr>
+            <p:ph type="title"/>
+          </p:nvPr>
+        </p:nvSpPr>
+        <p:spPr/>
+        <p:txBody>
+          <a:bodyPr/>
+          <a:lstStyle/>
+          <a:p>
+            <a:endParaRPr lang="en-CA" dirty="0"/>
+          </a:p>
+        </p:txBody>
+      </p:sp>
+      <p:sp>
+        <p:nvSpPr>
+          <p:cNvPr id="3" name="Content Placeholder 2"/>
+          <p:cNvSpPr>
+            <a:spLocks noGrp="1"/>
+          </p:cNvSpPr>
+          <p:nvPr>
+            <p:ph idx="1"/>
+          </p:nvPr>
+        </p:nvSpPr>
+        <p:spPr/>
+        <p:txBody>
+          <a:bodyPr/>
+          <a:lstStyle/>
+          <a:p>
+            <a:endParaRPr lang="en-CA"/>
+          </a:p>
+        </p:txBody>
+      </p:sp>
+    </p:spTree>
+    <p:extLst>
+      <p:ext uri="{BB962C8B-B14F-4D97-AF65-F5344CB8AC3E}">
+        <p14:creationId xmlns:p14="http://schemas.microsoft.com/office/powerpoint/2010/main" val="3741877551"/>
       </p:ext>
     </p:extLst>
   </p:cSld>

--- a/3951/Indexes.pptx
+++ b/3951/Indexes.pptx
@@ -10,7 +10,7 @@
     <p:sldId id="258" r:id="rId4"/>
     <p:sldId id="259" r:id="rId5"/>
     <p:sldId id="260" r:id="rId6"/>
-    <p:sldId id="261" r:id="rId7"/>
+    <p:sldId id="263" r:id="rId7"/>
     <p:sldId id="262" r:id="rId8"/>
   </p:sldIdLst>
   <p:sldSz cx="12192000" cy="6858000"/>
@@ -6025,10 +6025,10 @@
           <a:p>
             <a:pPr algn="ctr"/>
             <a:r>
-              <a:rPr lang="en-CA" dirty="0" smtClean="0"/>
+              <a:rPr lang="en-CA" u="sng" dirty="0" smtClean="0"/>
               <a:t>Indexers</a:t>
             </a:r>
-            <a:endParaRPr lang="en-CA" dirty="0"/>
+            <a:endParaRPr lang="en-CA" u="sng" dirty="0"/>
           </a:p>
         </p:txBody>
       </p:sp>
@@ -6121,7 +6121,15 @@
           <a:p>
             <a:r>
               <a:rPr lang="en-CA" dirty="0" smtClean="0"/>
-              <a:t>What is a indexer?</a:t>
+              <a:t>What is a </a:t>
+            </a:r>
+            <a:r>
+              <a:rPr lang="en-CA" dirty="0" smtClean="0"/>
+              <a:t>Indexer</a:t>
+            </a:r>
+            <a:r>
+              <a:rPr lang="en-CA" dirty="0" smtClean="0"/>
+              <a:t>?</a:t>
             </a:r>
             <a:endParaRPr lang="en-CA" dirty="0"/>
           </a:p>
@@ -6137,7 +6145,12 @@
             <p:ph idx="1"/>
           </p:nvPr>
         </p:nvSpPr>
-        <p:spPr/>
+        <p:spPr>
+          <a:xfrm>
+            <a:off x="1392070" y="1282897"/>
+            <a:ext cx="8946541" cy="5037692"/>
+          </a:xfrm>
+        </p:spPr>
         <p:txBody>
           <a:bodyPr/>
           <a:lstStyle/>
@@ -6183,7 +6196,7 @@
             </a:pPr>
             <a:r>
               <a:rPr lang="en-CA" dirty="0" smtClean="0"/>
-              <a:t>Indexers can we use on classes with multiple arrays as long as they don’t have conflicting (same) types.</a:t>
+              <a:t>Indexers can be used on a class with multiple arrays as long as they don’t have conflicting (same) types.</a:t>
             </a:r>
           </a:p>
           <a:p>
@@ -6192,7 +6205,10 @@
                 <a:spcPct val="150000"/>
               </a:lnSpc>
             </a:pPr>
-            <a:endParaRPr lang="en-CA" dirty="0" smtClean="0"/>
+            <a:r>
+              <a:rPr lang="en-CA" dirty="0" smtClean="0"/>
+              <a:t>An indexer value is not classified as a variable.</a:t>
+            </a:r>
           </a:p>
           <a:p>
             <a:endParaRPr lang="en-CA" dirty="0"/>
@@ -6246,7 +6262,7 @@
           <a:p>
             <a:r>
               <a:rPr lang="en-CA" dirty="0" smtClean="0"/>
-              <a:t>What is an indexers use?</a:t>
+              <a:t>What is an Indexers use?</a:t>
             </a:r>
             <a:endParaRPr lang="en-CA" dirty="0"/>
           </a:p>
@@ -6485,7 +6501,7 @@
         </p:nvSpPr>
         <p:spPr>
           <a:xfrm>
-            <a:off x="1448216" y="2778823"/>
+            <a:off x="875201" y="757518"/>
             <a:ext cx="9404723" cy="1400530"/>
           </a:xfrm>
         </p:spPr>
@@ -6495,16 +6511,90 @@
           <a:p>
             <a:r>
               <a:rPr lang="en-CA" dirty="0" smtClean="0"/>
-              <a:t>Activity: Overriding Indexers</a:t>
+              <a:t>Activity</a:t>
             </a:r>
             <a:endParaRPr lang="en-CA" dirty="0"/>
+          </a:p>
+        </p:txBody>
+      </p:sp>
+      <p:sp>
+        <p:nvSpPr>
+          <p:cNvPr id="3" name="Content Placeholder 2"/>
+          <p:cNvSpPr>
+            <a:spLocks noGrp="1"/>
+          </p:cNvSpPr>
+          <p:nvPr>
+            <p:ph idx="1"/>
+          </p:nvPr>
+        </p:nvSpPr>
+        <p:spPr>
+          <a:xfrm>
+            <a:off x="875201" y="1940623"/>
+            <a:ext cx="8946541" cy="4195481"/>
+          </a:xfrm>
+        </p:spPr>
+        <p:txBody>
+          <a:bodyPr/>
+          <a:lstStyle/>
+          <a:p>
+            <a:pPr>
+              <a:lnSpc>
+                <a:spcPct val="200000"/>
+              </a:lnSpc>
+            </a:pPr>
+            <a:r>
+              <a:rPr lang="en-CA" dirty="0" smtClean="0"/>
+              <a:t>Question: Can you pass an indexer value as a reference or parameter?</a:t>
+            </a:r>
+          </a:p>
+          <a:p>
+            <a:pPr>
+              <a:lnSpc>
+                <a:spcPct val="200000"/>
+              </a:lnSpc>
+            </a:pPr>
+            <a:r>
+              <a:rPr lang="en-CA" dirty="0" smtClean="0"/>
+              <a:t>Question: Do indexers have to be indexed by an integer value?</a:t>
+            </a:r>
+          </a:p>
+          <a:p>
+            <a:pPr>
+              <a:lnSpc>
+                <a:spcPct val="200000"/>
+              </a:lnSpc>
+            </a:pPr>
+            <a:r>
+              <a:rPr lang="en-CA" dirty="0" smtClean="0"/>
+              <a:t>Question: Can indexers access two-dimensional arrays?</a:t>
+            </a:r>
+          </a:p>
+          <a:p>
+            <a:pPr>
+              <a:lnSpc>
+                <a:spcPct val="200000"/>
+              </a:lnSpc>
+            </a:pPr>
+            <a:r>
+              <a:rPr lang="en-CA" smtClean="0"/>
+              <a:t>Challenge: </a:t>
+            </a:r>
+            <a:r>
+              <a:rPr lang="en-CA" dirty="0" smtClean="0"/>
+              <a:t>Can you override </a:t>
+            </a:r>
+            <a:r>
+              <a:rPr lang="en-CA" smtClean="0"/>
+              <a:t>an indexer?</a:t>
+            </a:r>
+            <a:endParaRPr lang="en-CA" dirty="0" smtClean="0"/>
           </a:p>
         </p:txBody>
       </p:sp>
     </p:spTree>
     <p:extLst>
       <p:ext uri="{BB962C8B-B14F-4D97-AF65-F5344CB8AC3E}">
-        <p14:creationId xmlns:p14="http://schemas.microsoft.com/office/powerpoint/2010/main" val="3397327831"/>
+        <p14:creationId xmlns:p14="http://schemas.microsoft.com/office/powerpoint/2010/main" val="2786356554"/>
       </p:ext>
     </p:extLst>
   </p:cSld>
@@ -6550,25 +6640,53 @@
           </a:p>
         </p:txBody>
       </p:sp>
-      <p:sp>
-        <p:nvSpPr>
-          <p:cNvPr id="3" name="Content Placeholder 2"/>
-          <p:cNvSpPr>
-            <a:spLocks noGrp="1"/>
-          </p:cNvSpPr>
+      <p:pic>
+        <p:nvPicPr>
+          <p:cNvPr id="5" name="Picture 4"/>
+          <p:cNvPicPr>
+            <a:picLocks noChangeAspect="1"/>
+          </p:cNvPicPr>
+          <p:nvPr/>
+        </p:nvPicPr>
+        <p:blipFill>
+          <a:blip r:embed="rId2"/>
+          <a:stretch>
+            <a:fillRect/>
+          </a:stretch>
+        </p:blipFill>
+        <p:spPr>
+          <a:xfrm>
+            <a:off x="5902036" y="1951067"/>
+            <a:ext cx="5776732" cy="3302576"/>
+          </a:xfrm>
+          <a:prstGeom prst="rect">
+            <a:avLst/>
+          </a:prstGeom>
+        </p:spPr>
+      </p:pic>
+      <p:pic>
+        <p:nvPicPr>
+          <p:cNvPr id="4" name="Content Placeholder 3"/>
+          <p:cNvPicPr>
+            <a:picLocks noGrp="1" noChangeAspect="1"/>
+          </p:cNvPicPr>
           <p:nvPr>
             <p:ph idx="1"/>
           </p:nvPr>
-        </p:nvSpPr>
-        <p:spPr/>
-        <p:txBody>
-          <a:bodyPr/>
-          <a:lstStyle/>
-          <a:p>
-            <a:endParaRPr lang="en-CA"/>
-          </a:p>
-        </p:txBody>
-      </p:sp>
+        </p:nvPicPr>
+        <p:blipFill>
+          <a:blip r:embed="rId3"/>
+          <a:stretch>
+            <a:fillRect/>
+          </a:stretch>
+        </p:blipFill>
+        <p:spPr>
+          <a:xfrm>
+            <a:off x="444487" y="596093"/>
+            <a:ext cx="5141737" cy="5596890"/>
+          </a:xfrm>
+        </p:spPr>
+      </p:pic>
     </p:spTree>
     <p:extLst>
       <p:ext uri="{BB962C8B-B14F-4D97-AF65-F5344CB8AC3E}">

--- a/3951/Indexes.pptx
+++ b/3951/Indexes.pptx
@@ -304,7 +304,7 @@
           <a:p>
             <a:fld id="{4AAD347D-5ACD-4C99-B74B-A9C85AD731AF}" type="datetimeFigureOut">
               <a:rPr lang="en-US" dirty="0"/>
-              <a:t>1/28/2016</a:t>
+              <a:t>2/2/2016</a:t>
             </a:fld>
             <a:endParaRPr lang="en-US" dirty="0"/>
           </a:p>
@@ -574,7 +574,7 @@
           <a:p>
             <a:fld id="{4509A250-FF31-4206-8172-F9D3106AACB1}" type="datetimeFigureOut">
               <a:rPr lang="en-US" dirty="0"/>
-              <a:t>1/28/2016</a:t>
+              <a:t>2/2/2016</a:t>
             </a:fld>
             <a:endParaRPr lang="en-US" dirty="0"/>
           </a:p>
@@ -763,7 +763,7 @@
           <a:p>
             <a:fld id="{4509A250-FF31-4206-8172-F9D3106AACB1}" type="datetimeFigureOut">
               <a:rPr lang="en-US" dirty="0"/>
-              <a:t>1/28/2016</a:t>
+              <a:t>2/2/2016</a:t>
             </a:fld>
             <a:endParaRPr lang="en-US" dirty="0"/>
           </a:p>
@@ -1031,7 +1031,7 @@
           <a:p>
             <a:fld id="{4509A250-FF31-4206-8172-F9D3106AACB1}" type="datetimeFigureOut">
               <a:rPr lang="en-US" dirty="0"/>
-              <a:t>1/28/2016</a:t>
+              <a:t>2/2/2016</a:t>
             </a:fld>
             <a:endParaRPr lang="en-US" dirty="0"/>
           </a:p>
@@ -1367,7 +1367,7 @@
           <a:p>
             <a:fld id="{4509A250-FF31-4206-8172-F9D3106AACB1}" type="datetimeFigureOut">
               <a:rPr lang="en-US" dirty="0"/>
-              <a:t>1/28/2016</a:t>
+              <a:t>2/2/2016</a:t>
             </a:fld>
             <a:endParaRPr lang="en-US" dirty="0"/>
           </a:p>
@@ -1985,7 +1985,7 @@
           <a:p>
             <a:fld id="{4509A250-FF31-4206-8172-F9D3106AACB1}" type="datetimeFigureOut">
               <a:rPr lang="en-US" dirty="0"/>
-              <a:t>1/28/2016</a:t>
+              <a:t>2/2/2016</a:t>
             </a:fld>
             <a:endParaRPr lang="en-US" dirty="0"/>
           </a:p>
@@ -2840,7 +2840,7 @@
           <a:p>
             <a:fld id="{4509A250-FF31-4206-8172-F9D3106AACB1}" type="datetimeFigureOut">
               <a:rPr lang="en-US" dirty="0"/>
-              <a:t>1/28/2016</a:t>
+              <a:t>2/2/2016</a:t>
             </a:fld>
             <a:endParaRPr lang="en-US" dirty="0"/>
           </a:p>
@@ -3005,7 +3005,7 @@
           <a:p>
             <a:fld id="{4509A250-FF31-4206-8172-F9D3106AACB1}" type="datetimeFigureOut">
               <a:rPr lang="en-US" dirty="0"/>
-              <a:t>1/28/2016</a:t>
+              <a:t>2/2/2016</a:t>
             </a:fld>
             <a:endParaRPr lang="en-US" dirty="0"/>
           </a:p>
@@ -3180,7 +3180,7 @@
           <a:p>
             <a:fld id="{4509A250-FF31-4206-8172-F9D3106AACB1}" type="datetimeFigureOut">
               <a:rPr lang="en-US" dirty="0"/>
-              <a:t>1/28/2016</a:t>
+              <a:t>2/2/2016</a:t>
             </a:fld>
             <a:endParaRPr lang="en-US" dirty="0"/>
           </a:p>
@@ -3345,7 +3345,7 @@
           <a:p>
             <a:fld id="{4509A250-FF31-4206-8172-F9D3106AACB1}" type="datetimeFigureOut">
               <a:rPr lang="en-US" dirty="0"/>
-              <a:t>1/28/2016</a:t>
+              <a:t>2/2/2016</a:t>
             </a:fld>
             <a:endParaRPr lang="en-US" dirty="0"/>
           </a:p>
@@ -3587,7 +3587,7 @@
           <a:p>
             <a:fld id="{9796027F-7875-4030-9381-8BD8C4F21935}" type="datetimeFigureOut">
               <a:rPr lang="en-US" dirty="0"/>
-              <a:t>1/28/2016</a:t>
+              <a:t>2/2/2016</a:t>
             </a:fld>
             <a:endParaRPr lang="en-US" dirty="0"/>
           </a:p>
@@ -3874,7 +3874,7 @@
           <a:p>
             <a:fld id="{9796027F-7875-4030-9381-8BD8C4F21935}" type="datetimeFigureOut">
               <a:rPr lang="en-US" dirty="0"/>
-              <a:t>1/28/2016</a:t>
+              <a:t>2/2/2016</a:t>
             </a:fld>
             <a:endParaRPr lang="en-US" dirty="0"/>
           </a:p>
@@ -4313,7 +4313,7 @@
           <a:p>
             <a:fld id="{9796027F-7875-4030-9381-8BD8C4F21935}" type="datetimeFigureOut">
               <a:rPr lang="en-US" dirty="0"/>
-              <a:t>1/28/2016</a:t>
+              <a:t>2/2/2016</a:t>
             </a:fld>
             <a:endParaRPr lang="en-US" dirty="0"/>
           </a:p>
@@ -4426,7 +4426,7 @@
           <a:p>
             <a:fld id="{4509A250-FF31-4206-8172-F9D3106AACB1}" type="datetimeFigureOut">
               <a:rPr lang="en-US" dirty="0"/>
-              <a:t>1/28/2016</a:t>
+              <a:t>2/2/2016</a:t>
             </a:fld>
             <a:endParaRPr lang="en-US" dirty="0"/>
           </a:p>
@@ -4516,7 +4516,7 @@
           <a:p>
             <a:fld id="{4509A250-FF31-4206-8172-F9D3106AACB1}" type="datetimeFigureOut">
               <a:rPr lang="en-US" dirty="0"/>
-              <a:t>1/28/2016</a:t>
+              <a:t>2/2/2016</a:t>
             </a:fld>
             <a:endParaRPr lang="en-US" dirty="0"/>
           </a:p>
@@ -4790,7 +4790,7 @@
           <a:p>
             <a:fld id="{4509A250-FF31-4206-8172-F9D3106AACB1}" type="datetimeFigureOut">
               <a:rPr lang="en-US" dirty="0"/>
-              <a:t>1/28/2016</a:t>
+              <a:t>2/2/2016</a:t>
             </a:fld>
             <a:endParaRPr lang="en-US" dirty="0"/>
           </a:p>
@@ -5060,7 +5060,7 @@
           <a:p>
             <a:fld id="{4509A250-FF31-4206-8172-F9D3106AACB1}" type="datetimeFigureOut">
               <a:rPr lang="en-US" dirty="0"/>
-              <a:t>1/28/2016</a:t>
+              <a:t>2/2/2016</a:t>
             </a:fld>
             <a:endParaRPr lang="en-US" dirty="0"/>
           </a:p>
@@ -5484,7 +5484,7 @@
           <a:p>
             <a:fld id="{4AAD347D-5ACD-4C99-B74B-A9C85AD731AF}" type="datetimeFigureOut">
               <a:rPr lang="en-US" dirty="0"/>
-              <a:t>1/28/2016</a:t>
+              <a:t>2/2/2016</a:t>
             </a:fld>
             <a:endParaRPr lang="en-US" dirty="0"/>
           </a:p>
@@ -6121,15 +6121,7 @@
           <a:p>
             <a:r>
               <a:rPr lang="en-CA" dirty="0" smtClean="0"/>
-              <a:t>What is a </a:t>
-            </a:r>
-            <a:r>
-              <a:rPr lang="en-CA" dirty="0" smtClean="0"/>
-              <a:t>Indexer</a:t>
-            </a:r>
-            <a:r>
-              <a:rPr lang="en-CA" dirty="0" smtClean="0"/>
-              <a:t>?</a:t>
+              <a:t>What is a Indexer?</a:t>
             </a:r>
             <a:endParaRPr lang="en-CA" dirty="0"/>
           </a:p>
@@ -6170,11 +6162,7 @@
             </a:r>
             <a:r>
               <a:rPr lang="en-CA" dirty="0" smtClean="0"/>
-              <a:t> or interface to be indexed just like arrays</a:t>
-            </a:r>
-            <a:r>
-              <a:rPr lang="en-CA" dirty="0" smtClean="0"/>
-              <a:t>.</a:t>
+              <a:t> or interface to be indexed just like arrays.</a:t>
             </a:r>
           </a:p>
           <a:p>
@@ -6455,7 +6443,7 @@
         <p:spPr>
           <a:xfrm>
             <a:off x="2191217" y="1411705"/>
-            <a:ext cx="7273623" cy="5085347"/>
+            <a:ext cx="7651052" cy="5349226"/>
           </a:xfrm>
         </p:spPr>
       </p:pic>
@@ -6656,7 +6644,7 @@
         </p:blipFill>
         <p:spPr>
           <a:xfrm>
-            <a:off x="5902036" y="1951067"/>
+            <a:off x="5977448" y="1853248"/>
             <a:ext cx="5776732" cy="3302576"/>
           </a:xfrm>
           <a:prstGeom prst="rect">
@@ -6682,8 +6670,8 @@
         </p:blipFill>
         <p:spPr>
           <a:xfrm>
-            <a:off x="444487" y="596093"/>
-            <a:ext cx="5141737" cy="5596890"/>
+            <a:off x="278232" y="346711"/>
+            <a:ext cx="5699216" cy="6203718"/>
           </a:xfrm>
         </p:spPr>
       </p:pic>
